--- a/Case Study 2/Pizza Runner.pptx
+++ b/Case Study 2/Pizza Runner.pptx
@@ -231,7 +231,7 @@
           <a:p>
             <a:fld id="{8848E0E1-5275-49A1-B239-CAE995FD4BA5}" type="datetimeFigureOut">
               <a:rPr lang="en-IN" smtClean="0"/>
-              <a:t>07-04-2024</a:t>
+              <a:t>08-04-2024</a:t>
             </a:fld>
             <a:endParaRPr lang="en-IN"/>
           </a:p>
@@ -714,7 +714,7 @@
           <a:p>
             <a:fld id="{A805D841-954D-440B-8EA3-92F49FCE6C05}" type="datetime1">
               <a:rPr lang="en-IN" smtClean="0"/>
-              <a:t>07-04-2024</a:t>
+              <a:t>08-04-2024</a:t>
             </a:fld>
             <a:endParaRPr lang="en-IN"/>
           </a:p>
@@ -888,7 +888,7 @@
           <a:p>
             <a:fld id="{73F3396D-3375-4C26-A119-030B71F34377}" type="datetime1">
               <a:rPr lang="en-IN" smtClean="0"/>
-              <a:t>07-04-2024</a:t>
+              <a:t>08-04-2024</a:t>
             </a:fld>
             <a:endParaRPr lang="en-IN"/>
           </a:p>
@@ -1072,7 +1072,7 @@
           <a:p>
             <a:fld id="{C3AE0B80-1AE1-4C07-9174-6C7410DF935E}" type="datetime1">
               <a:rPr lang="en-IN" smtClean="0"/>
-              <a:t>07-04-2024</a:t>
+              <a:t>08-04-2024</a:t>
             </a:fld>
             <a:endParaRPr lang="en-IN"/>
           </a:p>
@@ -1246,7 +1246,7 @@
           <a:p>
             <a:fld id="{E532DA67-9BC3-4C26-B607-8F4BB4EA1B14}" type="datetime1">
               <a:rPr lang="en-IN" smtClean="0"/>
-              <a:t>07-04-2024</a:t>
+              <a:t>08-04-2024</a:t>
             </a:fld>
             <a:endParaRPr lang="en-IN"/>
           </a:p>
@@ -1496,7 +1496,7 @@
           <a:p>
             <a:fld id="{A888154D-52F1-4F61-8B4D-3DDDA1D18549}" type="datetime1">
               <a:rPr lang="en-IN" smtClean="0"/>
-              <a:t>07-04-2024</a:t>
+              <a:t>08-04-2024</a:t>
             </a:fld>
             <a:endParaRPr lang="en-IN"/>
           </a:p>
@@ -1732,7 +1732,7 @@
           <a:p>
             <a:fld id="{41E61214-9390-457C-9922-9698893DDA7B}" type="datetime1">
               <a:rPr lang="en-IN" smtClean="0"/>
-              <a:t>07-04-2024</a:t>
+              <a:t>08-04-2024</a:t>
             </a:fld>
             <a:endParaRPr lang="en-IN"/>
           </a:p>
@@ -2103,7 +2103,7 @@
           <a:p>
             <a:fld id="{3DF4E67D-1030-431E-A89A-9EEC73057307}" type="datetime1">
               <a:rPr lang="en-IN" smtClean="0"/>
-              <a:t>07-04-2024</a:t>
+              <a:t>08-04-2024</a:t>
             </a:fld>
             <a:endParaRPr lang="en-IN"/>
           </a:p>
@@ -2225,7 +2225,7 @@
           <a:p>
             <a:fld id="{357E7CB6-5E6A-4873-B020-1E78121267AD}" type="datetime1">
               <a:rPr lang="en-IN" smtClean="0"/>
-              <a:t>07-04-2024</a:t>
+              <a:t>08-04-2024</a:t>
             </a:fld>
             <a:endParaRPr lang="en-IN"/>
           </a:p>
@@ -2324,7 +2324,7 @@
           <a:p>
             <a:fld id="{7EEDFCA7-F6A8-4787-B86B-6B8E55609377}" type="datetime1">
               <a:rPr lang="en-IN" smtClean="0"/>
-              <a:t>07-04-2024</a:t>
+              <a:t>08-04-2024</a:t>
             </a:fld>
             <a:endParaRPr lang="en-IN"/>
           </a:p>
@@ -2605,7 +2605,7 @@
           <a:p>
             <a:fld id="{6BC0F902-89FE-401B-BC29-C913F68035EE}" type="datetime1">
               <a:rPr lang="en-IN" smtClean="0"/>
-              <a:t>07-04-2024</a:t>
+              <a:t>08-04-2024</a:t>
             </a:fld>
             <a:endParaRPr lang="en-IN"/>
           </a:p>
@@ -2862,7 +2862,7 @@
           <a:p>
             <a:fld id="{F97FE926-F451-429B-AB06-FA69F20AB8DF}" type="datetime1">
               <a:rPr lang="en-IN" smtClean="0"/>
-              <a:t>07-04-2024</a:t>
+              <a:t>08-04-2024</a:t>
             </a:fld>
             <a:endParaRPr lang="en-IN"/>
           </a:p>
@@ -3079,7 +3079,7 @@
           <a:p>
             <a:fld id="{0EA83B4C-E197-45F8-8FD5-7BB2896557CA}" type="datetime1">
               <a:rPr lang="en-IN" smtClean="0"/>
-              <a:t>07-04-2024</a:t>
+              <a:t>08-04-2024</a:t>
             </a:fld>
             <a:endParaRPr lang="en-IN"/>
           </a:p>
@@ -3611,7 +3611,7 @@
           <a:p>
             <a:fld id="{6BC0F902-89FE-401B-BC29-C913F68035EE}" type="datetime1">
               <a:rPr lang="en-IN" smtClean="0"/>
-              <a:t>07-04-2024</a:t>
+              <a:t>08-04-2024</a:t>
             </a:fld>
             <a:endParaRPr lang="en-IN"/>
           </a:p>
@@ -3717,11 +3717,7 @@
           <a:p>
             <a:r>
               <a:rPr lang="en-US" sz="4000" dirty="0" smtClean="0"/>
-              <a:t>6. What </a:t>
-            </a:r>
-            <a:r>
-              <a:rPr lang="en-US" sz="4000" dirty="0" smtClean="0"/>
-              <a:t>was the maximum number of pizzas delivered in a single order?</a:t>
+              <a:t>6. What was the maximum number of pizzas delivered in a single order?</a:t>
             </a:r>
             <a:endParaRPr lang="en-IN" sz="4000" dirty="0"/>
           </a:p>
@@ -3773,7 +3769,7 @@
           <a:p>
             <a:fld id="{6440BD26-3411-47D8-A0B3-FF608FBCAD69}" type="datetime1">
               <a:rPr lang="en-IN" smtClean="0"/>
-              <a:t>07-04-2024</a:t>
+              <a:t>08-04-2024</a:t>
             </a:fld>
             <a:endParaRPr lang="en-IN"/>
           </a:p>
@@ -3882,11 +3878,7 @@
             </a:r>
             <a:r>
               <a:rPr lang="en-US" sz="4000" dirty="0" smtClean="0"/>
-              <a:t>For </a:t>
-            </a:r>
-            <a:r>
-              <a:rPr lang="en-US" sz="4000" dirty="0" smtClean="0"/>
-              <a:t>each customer, how many delivered pizzas had at least 1 change and how many had no changes?</a:t>
+              <a:t>For each customer, how many delivered pizzas had at least 1 change and how many had no changes?</a:t>
             </a:r>
             <a:endParaRPr lang="en-IN" sz="4000" dirty="0"/>
           </a:p>
@@ -3968,7 +3960,7 @@
           <a:p>
             <a:fld id="{16DDC3CD-8FA1-4488-9F32-51E1E6B553A6}" type="datetime1">
               <a:rPr lang="en-IN" smtClean="0"/>
-              <a:t>07-04-2024</a:t>
+              <a:t>08-04-2024</a:t>
             </a:fld>
             <a:endParaRPr lang="en-IN"/>
           </a:p>
@@ -4069,11 +4061,7 @@
           <a:p>
             <a:r>
               <a:rPr lang="en-US" sz="4000" dirty="0" smtClean="0"/>
-              <a:t>8. How </a:t>
-            </a:r>
-            <a:r>
-              <a:rPr lang="en-US" sz="4000" dirty="0" smtClean="0"/>
-              <a:t>many pizzas were delivered that had both exclusions and extras?</a:t>
+              <a:t>8. How many pizzas were delivered that had both exclusions and extras?</a:t>
             </a:r>
             <a:endParaRPr lang="en-IN" sz="4000" dirty="0"/>
           </a:p>
@@ -4125,7 +4113,7 @@
           <a:p>
             <a:fld id="{EE5D1C81-2B07-4138-93EB-1DA2032013B0}" type="datetime1">
               <a:rPr lang="en-IN" smtClean="0"/>
-              <a:t>07-04-2024</a:t>
+              <a:t>08-04-2024</a:t>
             </a:fld>
             <a:endParaRPr lang="en-IN"/>
           </a:p>
@@ -4226,11 +4214,7 @@
           <a:p>
             <a:r>
               <a:rPr lang="en-US" sz="4000" dirty="0" smtClean="0"/>
-              <a:t>9. What </a:t>
-            </a:r>
-            <a:r>
-              <a:rPr lang="en-US" sz="4000" dirty="0" smtClean="0"/>
-              <a:t>was the total volume of pizzas ordered for each hour of the day?</a:t>
+              <a:t>9. What was the total volume of pizzas ordered for each hour of the day?</a:t>
             </a:r>
             <a:endParaRPr lang="en-IN" sz="4000" dirty="0"/>
           </a:p>
@@ -4253,7 +4237,7 @@
           <a:p>
             <a:fld id="{E532DA67-9BC3-4C26-B607-8F4BB4EA1B14}" type="datetime1">
               <a:rPr lang="en-IN" smtClean="0"/>
-              <a:t>07-04-2024</a:t>
+              <a:t>08-04-2024</a:t>
             </a:fld>
             <a:endParaRPr lang="en-IN"/>
           </a:p>
@@ -4391,11 +4375,7 @@
             </a:r>
             <a:r>
               <a:rPr lang="en-US" sz="4000" dirty="0" smtClean="0"/>
-              <a:t>What </a:t>
-            </a:r>
-            <a:r>
-              <a:rPr lang="en-US" sz="4000" dirty="0" smtClean="0"/>
-              <a:t>was the volume of orders for each day of the week?</a:t>
+              <a:t>What was the volume of orders for each day of the week?</a:t>
             </a:r>
             <a:endParaRPr lang="en-IN" sz="4000" dirty="0"/>
           </a:p>
@@ -4418,7 +4398,7 @@
           <a:p>
             <a:fld id="{E532DA67-9BC3-4C26-B607-8F4BB4EA1B14}" type="datetime1">
               <a:rPr lang="en-IN" smtClean="0"/>
-              <a:t>07-04-2024</a:t>
+              <a:t>08-04-2024</a:t>
             </a:fld>
             <a:endParaRPr lang="en-IN"/>
           </a:p>
@@ -4711,7 +4691,7 @@
           <a:p>
             <a:fld id="{E532DA67-9BC3-4C26-B607-8F4BB4EA1B14}" type="datetime1">
               <a:rPr lang="en-IN" smtClean="0"/>
-              <a:t>07-04-2024</a:t>
+              <a:t>08-04-2024</a:t>
             </a:fld>
             <a:endParaRPr lang="en-IN"/>
           </a:p>
@@ -4868,7 +4848,7 @@
           <a:p>
             <a:fld id="{E532DA67-9BC3-4C26-B607-8F4BB4EA1B14}" type="datetime1">
               <a:rPr lang="en-IN" smtClean="0"/>
-              <a:t>07-04-2024</a:t>
+              <a:t>08-04-2024</a:t>
             </a:fld>
             <a:endParaRPr lang="en-IN"/>
           </a:p>
@@ -5038,7 +5018,7 @@
           <a:p>
             <a:fld id="{E532DA67-9BC3-4C26-B607-8F4BB4EA1B14}" type="datetime1">
               <a:rPr lang="en-IN" smtClean="0"/>
-              <a:t>07-04-2024</a:t>
+              <a:t>08-04-2024</a:t>
             </a:fld>
             <a:endParaRPr lang="en-IN"/>
           </a:p>
@@ -5247,7 +5227,7 @@
           <a:p>
             <a:fld id="{41E61214-9390-457C-9922-9698893DDA7B}" type="datetime1">
               <a:rPr lang="en-IN" smtClean="0"/>
-              <a:t>07-04-2024</a:t>
+              <a:t>08-04-2024</a:t>
             </a:fld>
             <a:endParaRPr lang="en-IN"/>
           </a:p>
@@ -5404,7 +5384,7 @@
           <a:p>
             <a:fld id="{E532DA67-9BC3-4C26-B607-8F4BB4EA1B14}" type="datetime1">
               <a:rPr lang="en-IN" smtClean="0"/>
-              <a:t>07-04-2024</a:t>
+              <a:t>08-04-2024</a:t>
             </a:fld>
             <a:endParaRPr lang="en-IN"/>
           </a:p>
@@ -5610,7 +5590,7 @@
           <a:p>
             <a:fld id="{780D33DB-947F-4658-A993-FC3B5A6AF569}" type="datetime1">
               <a:rPr lang="en-IN" smtClean="0"/>
-              <a:t>07-04-2024</a:t>
+              <a:t>08-04-2024</a:t>
             </a:fld>
             <a:endParaRPr lang="en-IN"/>
           </a:p>
@@ -5767,7 +5747,7 @@
           <a:p>
             <a:fld id="{E532DA67-9BC3-4C26-B607-8F4BB4EA1B14}" type="datetime1">
               <a:rPr lang="en-IN" smtClean="0"/>
-              <a:t>07-04-2024</a:t>
+              <a:t>08-04-2024</a:t>
             </a:fld>
             <a:endParaRPr lang="en-IN"/>
           </a:p>
@@ -5925,7 +5905,7 @@
           <a:p>
             <a:fld id="{41E61214-9390-457C-9922-9698893DDA7B}" type="datetime1">
               <a:rPr lang="en-IN" smtClean="0"/>
-              <a:t>07-04-2024</a:t>
+              <a:t>08-04-2024</a:t>
             </a:fld>
             <a:endParaRPr lang="en-IN"/>
           </a:p>
@@ -6183,7 +6163,7 @@
           <a:p>
             <a:fld id="{41E61214-9390-457C-9922-9698893DDA7B}" type="datetime1">
               <a:rPr lang="en-IN" smtClean="0"/>
-              <a:t>07-04-2024</a:t>
+              <a:t>08-04-2024</a:t>
             </a:fld>
             <a:endParaRPr lang="en-IN"/>
           </a:p>
@@ -6314,7 +6294,7 @@
           <a:p>
             <a:fld id="{E532DA67-9BC3-4C26-B607-8F4BB4EA1B14}" type="datetime1">
               <a:rPr lang="en-IN" smtClean="0"/>
-              <a:t>07-04-2024</a:t>
+              <a:t>08-04-2024</a:t>
             </a:fld>
             <a:endParaRPr lang="en-IN"/>
           </a:p>
@@ -6640,7 +6620,7 @@
           <a:p>
             <a:fld id="{41E61214-9390-457C-9922-9698893DDA7B}" type="datetime1">
               <a:rPr lang="en-IN" smtClean="0"/>
-              <a:t>07-04-2024</a:t>
+              <a:t>08-04-2024</a:t>
             </a:fld>
             <a:endParaRPr lang="en-IN"/>
           </a:p>
@@ -6823,7 +6803,7 @@
           <a:p>
             <a:fld id="{41E61214-9390-457C-9922-9698893DDA7B}" type="datetime1">
               <a:rPr lang="en-IN" smtClean="0"/>
-              <a:t>07-04-2024</a:t>
+              <a:t>08-04-2024</a:t>
             </a:fld>
             <a:endParaRPr lang="en-IN"/>
           </a:p>
@@ -7006,7 +6986,7 @@
           <a:p>
             <a:fld id="{41E61214-9390-457C-9922-9698893DDA7B}" type="datetime1">
               <a:rPr lang="en-IN" smtClean="0"/>
-              <a:t>07-04-2024</a:t>
+              <a:t>08-04-2024</a:t>
             </a:fld>
             <a:endParaRPr lang="en-IN"/>
           </a:p>
@@ -7243,7 +7223,7 @@
           <a:p>
             <a:fld id="{41E61214-9390-457C-9922-9698893DDA7B}" type="datetime1">
               <a:rPr lang="en-IN" smtClean="0"/>
-              <a:t>07-04-2024</a:t>
+              <a:t>08-04-2024</a:t>
             </a:fld>
             <a:endParaRPr lang="en-IN"/>
           </a:p>
@@ -7419,7 +7399,7 @@
           <a:p>
             <a:fld id="{41E61214-9390-457C-9922-9698893DDA7B}" type="datetime1">
               <a:rPr lang="en-IN" smtClean="0"/>
-              <a:t>07-04-2024</a:t>
+              <a:t>08-04-2024</a:t>
             </a:fld>
             <a:endParaRPr lang="en-IN"/>
           </a:p>
@@ -7630,7 +7610,7 @@
           <a:p>
             <a:fld id="{41E61214-9390-457C-9922-9698893DDA7B}" type="datetime1">
               <a:rPr lang="en-IN" smtClean="0"/>
-              <a:t>07-04-2024</a:t>
+              <a:t>08-04-2024</a:t>
             </a:fld>
             <a:endParaRPr lang="en-IN"/>
           </a:p>
@@ -7788,7 +7768,7 @@
           <a:p>
             <a:fld id="{0CBCE8AF-A837-4079-B21A-D34F3EBB2F11}" type="datetime1">
               <a:rPr lang="en-IN" smtClean="0"/>
-              <a:t>07-04-2024</a:t>
+              <a:t>08-04-2024</a:t>
             </a:fld>
             <a:endParaRPr lang="en-IN"/>
           </a:p>
@@ -8080,7 +8060,7 @@
           <a:p>
             <a:fld id="{E532DA67-9BC3-4C26-B607-8F4BB4EA1B14}" type="datetime1">
               <a:rPr lang="en-IN" smtClean="0"/>
-              <a:t>07-04-2024</a:t>
+              <a:t>08-04-2024</a:t>
             </a:fld>
             <a:endParaRPr lang="en-IN"/>
           </a:p>
@@ -8283,7 +8263,7 @@
           <a:p>
             <a:fld id="{41E61214-9390-457C-9922-9698893DDA7B}" type="datetime1">
               <a:rPr lang="en-IN" smtClean="0"/>
-              <a:t>07-04-2024</a:t>
+              <a:t>08-04-2024</a:t>
             </a:fld>
             <a:endParaRPr lang="en-IN"/>
           </a:p>
@@ -8473,7 +8453,7 @@
           <a:p>
             <a:fld id="{41E61214-9390-457C-9922-9698893DDA7B}" type="datetime1">
               <a:rPr lang="en-IN" smtClean="0"/>
-              <a:t>07-04-2024</a:t>
+              <a:t>08-04-2024</a:t>
             </a:fld>
             <a:endParaRPr lang="en-IN"/>
           </a:p>
@@ -9374,7 +9354,7 @@
           <a:p>
             <a:fld id="{1BEA5687-2B3B-4F76-AAE8-C0BE9582DEA9}" type="datetime1">
               <a:rPr lang="en-IN" smtClean="0"/>
-              <a:t>07-04-2024</a:t>
+              <a:t>08-04-2024</a:t>
             </a:fld>
             <a:endParaRPr lang="en-IN"/>
           </a:p>
@@ -9483,11 +9463,7 @@
             </a:r>
             <a:r>
               <a:rPr lang="en-US" sz="3600" dirty="0" smtClean="0"/>
-              <a:t>How </a:t>
-            </a:r>
-            <a:r>
-              <a:rPr lang="en-US" sz="3600" dirty="0" smtClean="0"/>
-              <a:t>many pizzas were ordered?</a:t>
+              <a:t>How many pizzas were ordered?</a:t>
             </a:r>
             <a:endParaRPr lang="en-IN" sz="3600" b="1" dirty="0"/>
           </a:p>
@@ -9539,7 +9515,7 @@
           <a:p>
             <a:fld id="{006F1D24-CDC7-4517-88F4-C1FA14C6CDE0}" type="datetime1">
               <a:rPr lang="en-IN" smtClean="0"/>
-              <a:t>07-04-2024</a:t>
+              <a:t>08-04-2024</a:t>
             </a:fld>
             <a:endParaRPr lang="en-IN"/>
           </a:p>
@@ -9648,11 +9624,7 @@
             </a:r>
             <a:r>
               <a:rPr lang="en-US" sz="3600" dirty="0" smtClean="0"/>
-              <a:t>How </a:t>
-            </a:r>
-            <a:r>
-              <a:rPr lang="en-US" sz="3600" dirty="0" smtClean="0"/>
-              <a:t>many unique customer orders were made?</a:t>
+              <a:t>How many unique customer orders were made?</a:t>
             </a:r>
             <a:endParaRPr lang="en-IN" sz="4000" b="1" dirty="0"/>
           </a:p>
@@ -9704,7 +9676,7 @@
           <a:p>
             <a:fld id="{223F549C-B323-442E-8F13-8115FCC62AF5}" type="datetime1">
               <a:rPr lang="en-IN" smtClean="0"/>
-              <a:t>07-04-2024</a:t>
+              <a:t>08-04-2024</a:t>
             </a:fld>
             <a:endParaRPr lang="en-IN"/>
           </a:p>
@@ -9814,11 +9786,7 @@
             </a:r>
             <a:r>
               <a:rPr lang="en-US" sz="4000" dirty="0" smtClean="0"/>
-              <a:t>How </a:t>
-            </a:r>
-            <a:r>
-              <a:rPr lang="en-US" sz="4000" dirty="0" smtClean="0"/>
-              <a:t>many successful orders were delivered by each runner?</a:t>
+              <a:t>How many successful orders were delivered by each runner?</a:t>
             </a:r>
             <a:endParaRPr lang="en-IN" sz="4000" dirty="0"/>
           </a:p>
@@ -9870,7 +9838,7 @@
           <a:p>
             <a:fld id="{F398A40E-062E-4012-A46D-72B6F10C9F24}" type="datetime1">
               <a:rPr lang="en-IN" smtClean="0"/>
-              <a:t>07-04-2024</a:t>
+              <a:t>08-04-2024</a:t>
             </a:fld>
             <a:endParaRPr lang="en-IN"/>
           </a:p>
@@ -9979,11 +9947,7 @@
             </a:r>
             <a:r>
               <a:rPr lang="en-US" sz="3600" dirty="0" smtClean="0"/>
-              <a:t>How </a:t>
-            </a:r>
-            <a:r>
-              <a:rPr lang="en-US" sz="3600" dirty="0" smtClean="0"/>
-              <a:t>many of each type of pizza was delivered?</a:t>
+              <a:t>How many of each type of pizza was delivered?</a:t>
             </a:r>
             <a:endParaRPr lang="en-IN" sz="3600" dirty="0"/>
           </a:p>
@@ -10035,7 +9999,7 @@
           <a:p>
             <a:fld id="{BAF511C7-F5B8-44A1-A2A8-46EF4D0DE7B7}" type="datetime1">
               <a:rPr lang="en-IN" smtClean="0"/>
-              <a:t>07-04-2024</a:t>
+              <a:t>08-04-2024</a:t>
             </a:fld>
             <a:endParaRPr lang="en-IN"/>
           </a:p>
@@ -10141,19 +10105,7 @@
           <a:p>
             <a:r>
               <a:rPr lang="en-US" sz="4000" dirty="0" smtClean="0"/>
-              <a:t>5. How </a:t>
-            </a:r>
-            <a:r>
-              <a:rPr lang="en-US" sz="4000" dirty="0" smtClean="0"/>
-              <a:t>many Vegetarian and </a:t>
-            </a:r>
-            <a:r>
-              <a:rPr lang="en-US" sz="4000" dirty="0" smtClean="0"/>
-              <a:t>Meat lovers </a:t>
-            </a:r>
-            <a:r>
-              <a:rPr lang="en-US" sz="4000" dirty="0" smtClean="0"/>
-              <a:t>were ordered by each customer?</a:t>
+              <a:t>5. How many Vegetarian and Meat lovers were ordered by each customer?</a:t>
             </a:r>
             <a:endParaRPr lang="en-IN" sz="4000" dirty="0"/>
           </a:p>
@@ -10205,7 +10157,7 @@
           <a:p>
             <a:fld id="{71048FB8-C687-4510-95A1-5F5E96400C18}" type="datetime1">
               <a:rPr lang="en-IN" smtClean="0"/>
-              <a:t>07-04-2024</a:t>
+              <a:t>08-04-2024</a:t>
             </a:fld>
             <a:endParaRPr lang="en-IN"/>
           </a:p>

--- a/Case Study 2/Pizza Runner.pptx
+++ b/Case Study 2/Pizza Runner.pptx
@@ -231,7 +231,7 @@
           <a:p>
             <a:fld id="{8848E0E1-5275-49A1-B239-CAE995FD4BA5}" type="datetimeFigureOut">
               <a:rPr lang="en-IN" smtClean="0"/>
-              <a:t>08-04-2024</a:t>
+              <a:t>14-04-2024</a:t>
             </a:fld>
             <a:endParaRPr lang="en-IN"/>
           </a:p>
@@ -714,7 +714,7 @@
           <a:p>
             <a:fld id="{A805D841-954D-440B-8EA3-92F49FCE6C05}" type="datetime1">
               <a:rPr lang="en-IN" smtClean="0"/>
-              <a:t>08-04-2024</a:t>
+              <a:t>14-04-2024</a:t>
             </a:fld>
             <a:endParaRPr lang="en-IN"/>
           </a:p>
@@ -888,7 +888,7 @@
           <a:p>
             <a:fld id="{73F3396D-3375-4C26-A119-030B71F34377}" type="datetime1">
               <a:rPr lang="en-IN" smtClean="0"/>
-              <a:t>08-04-2024</a:t>
+              <a:t>14-04-2024</a:t>
             </a:fld>
             <a:endParaRPr lang="en-IN"/>
           </a:p>
@@ -1072,7 +1072,7 @@
           <a:p>
             <a:fld id="{C3AE0B80-1AE1-4C07-9174-6C7410DF935E}" type="datetime1">
               <a:rPr lang="en-IN" smtClean="0"/>
-              <a:t>08-04-2024</a:t>
+              <a:t>14-04-2024</a:t>
             </a:fld>
             <a:endParaRPr lang="en-IN"/>
           </a:p>
@@ -1246,7 +1246,7 @@
           <a:p>
             <a:fld id="{E532DA67-9BC3-4C26-B607-8F4BB4EA1B14}" type="datetime1">
               <a:rPr lang="en-IN" smtClean="0"/>
-              <a:t>08-04-2024</a:t>
+              <a:t>14-04-2024</a:t>
             </a:fld>
             <a:endParaRPr lang="en-IN"/>
           </a:p>
@@ -1496,7 +1496,7 @@
           <a:p>
             <a:fld id="{A888154D-52F1-4F61-8B4D-3DDDA1D18549}" type="datetime1">
               <a:rPr lang="en-IN" smtClean="0"/>
-              <a:t>08-04-2024</a:t>
+              <a:t>14-04-2024</a:t>
             </a:fld>
             <a:endParaRPr lang="en-IN"/>
           </a:p>
@@ -1732,7 +1732,7 @@
           <a:p>
             <a:fld id="{41E61214-9390-457C-9922-9698893DDA7B}" type="datetime1">
               <a:rPr lang="en-IN" smtClean="0"/>
-              <a:t>08-04-2024</a:t>
+              <a:t>14-04-2024</a:t>
             </a:fld>
             <a:endParaRPr lang="en-IN"/>
           </a:p>
@@ -2103,7 +2103,7 @@
           <a:p>
             <a:fld id="{3DF4E67D-1030-431E-A89A-9EEC73057307}" type="datetime1">
               <a:rPr lang="en-IN" smtClean="0"/>
-              <a:t>08-04-2024</a:t>
+              <a:t>14-04-2024</a:t>
             </a:fld>
             <a:endParaRPr lang="en-IN"/>
           </a:p>
@@ -2225,7 +2225,7 @@
           <a:p>
             <a:fld id="{357E7CB6-5E6A-4873-B020-1E78121267AD}" type="datetime1">
               <a:rPr lang="en-IN" smtClean="0"/>
-              <a:t>08-04-2024</a:t>
+              <a:t>14-04-2024</a:t>
             </a:fld>
             <a:endParaRPr lang="en-IN"/>
           </a:p>
@@ -2324,7 +2324,7 @@
           <a:p>
             <a:fld id="{7EEDFCA7-F6A8-4787-B86B-6B8E55609377}" type="datetime1">
               <a:rPr lang="en-IN" smtClean="0"/>
-              <a:t>08-04-2024</a:t>
+              <a:t>14-04-2024</a:t>
             </a:fld>
             <a:endParaRPr lang="en-IN"/>
           </a:p>
@@ -2605,7 +2605,7 @@
           <a:p>
             <a:fld id="{6BC0F902-89FE-401B-BC29-C913F68035EE}" type="datetime1">
               <a:rPr lang="en-IN" smtClean="0"/>
-              <a:t>08-04-2024</a:t>
+              <a:t>14-04-2024</a:t>
             </a:fld>
             <a:endParaRPr lang="en-IN"/>
           </a:p>
@@ -2862,7 +2862,7 @@
           <a:p>
             <a:fld id="{F97FE926-F451-429B-AB06-FA69F20AB8DF}" type="datetime1">
               <a:rPr lang="en-IN" smtClean="0"/>
-              <a:t>08-04-2024</a:t>
+              <a:t>14-04-2024</a:t>
             </a:fld>
             <a:endParaRPr lang="en-IN"/>
           </a:p>
@@ -3079,7 +3079,7 @@
           <a:p>
             <a:fld id="{0EA83B4C-E197-45F8-8FD5-7BB2896557CA}" type="datetime1">
               <a:rPr lang="en-IN" smtClean="0"/>
-              <a:t>08-04-2024</a:t>
+              <a:t>14-04-2024</a:t>
             </a:fld>
             <a:endParaRPr lang="en-IN"/>
           </a:p>
@@ -3611,7 +3611,7 @@
           <a:p>
             <a:fld id="{6BC0F902-89FE-401B-BC29-C913F68035EE}" type="datetime1">
               <a:rPr lang="en-IN" smtClean="0"/>
-              <a:t>08-04-2024</a:t>
+              <a:t>14-04-2024</a:t>
             </a:fld>
             <a:endParaRPr lang="en-IN"/>
           </a:p>
@@ -3769,7 +3769,7 @@
           <a:p>
             <a:fld id="{6440BD26-3411-47D8-A0B3-FF608FBCAD69}" type="datetime1">
               <a:rPr lang="en-IN" smtClean="0"/>
-              <a:t>08-04-2024</a:t>
+              <a:t>14-04-2024</a:t>
             </a:fld>
             <a:endParaRPr lang="en-IN"/>
           </a:p>
@@ -3960,7 +3960,7 @@
           <a:p>
             <a:fld id="{16DDC3CD-8FA1-4488-9F32-51E1E6B553A6}" type="datetime1">
               <a:rPr lang="en-IN" smtClean="0"/>
-              <a:t>08-04-2024</a:t>
+              <a:t>14-04-2024</a:t>
             </a:fld>
             <a:endParaRPr lang="en-IN"/>
           </a:p>
@@ -4113,7 +4113,7 @@
           <a:p>
             <a:fld id="{EE5D1C81-2B07-4138-93EB-1DA2032013B0}" type="datetime1">
               <a:rPr lang="en-IN" smtClean="0"/>
-              <a:t>08-04-2024</a:t>
+              <a:t>14-04-2024</a:t>
             </a:fld>
             <a:endParaRPr lang="en-IN"/>
           </a:p>
@@ -4237,7 +4237,7 @@
           <a:p>
             <a:fld id="{E532DA67-9BC3-4C26-B607-8F4BB4EA1B14}" type="datetime1">
               <a:rPr lang="en-IN" smtClean="0"/>
-              <a:t>08-04-2024</a:t>
+              <a:t>14-04-2024</a:t>
             </a:fld>
             <a:endParaRPr lang="en-IN"/>
           </a:p>
@@ -4398,7 +4398,7 @@
           <a:p>
             <a:fld id="{E532DA67-9BC3-4C26-B607-8F4BB4EA1B14}" type="datetime1">
               <a:rPr lang="en-IN" smtClean="0"/>
-              <a:t>08-04-2024</a:t>
+              <a:t>14-04-2024</a:t>
             </a:fld>
             <a:endParaRPr lang="en-IN"/>
           </a:p>
@@ -4691,7 +4691,7 @@
           <a:p>
             <a:fld id="{E532DA67-9BC3-4C26-B607-8F4BB4EA1B14}" type="datetime1">
               <a:rPr lang="en-IN" smtClean="0"/>
-              <a:t>08-04-2024</a:t>
+              <a:t>14-04-2024</a:t>
             </a:fld>
             <a:endParaRPr lang="en-IN"/>
           </a:p>
@@ -4848,7 +4848,7 @@
           <a:p>
             <a:fld id="{E532DA67-9BC3-4C26-B607-8F4BB4EA1B14}" type="datetime1">
               <a:rPr lang="en-IN" smtClean="0"/>
-              <a:t>08-04-2024</a:t>
+              <a:t>14-04-2024</a:t>
             </a:fld>
             <a:endParaRPr lang="en-IN"/>
           </a:p>
@@ -5018,7 +5018,7 @@
           <a:p>
             <a:fld id="{E532DA67-9BC3-4C26-B607-8F4BB4EA1B14}" type="datetime1">
               <a:rPr lang="en-IN" smtClean="0"/>
-              <a:t>08-04-2024</a:t>
+              <a:t>14-04-2024</a:t>
             </a:fld>
             <a:endParaRPr lang="en-IN"/>
           </a:p>
@@ -5141,35 +5141,54 @@
         </p:nvSpPr>
         <p:spPr>
           <a:xfrm>
-            <a:off x="385354" y="1733345"/>
-            <a:ext cx="5181600" cy="4351338"/>
+            <a:off x="478970" y="1733345"/>
+            <a:ext cx="5087983" cy="4351338"/>
           </a:xfrm>
         </p:spPr>
         <p:txBody>
           <a:bodyPr/>
           <a:lstStyle/>
           <a:p>
+            <a:pPr marL="0" indent="0">
+              <a:buNone/>
+            </a:pPr>
             <a:r>
               <a:rPr lang="en-US" sz="3600" dirty="0" smtClean="0"/>
-              <a:t>Average Time taken to prepare</a:t>
+              <a:t>Average Time taken to </a:t>
+            </a:r>
+            <a:r>
+              <a:rPr lang="en-US" sz="3600" dirty="0" smtClean="0"/>
+              <a:t>prepare</a:t>
             </a:r>
           </a:p>
           <a:p>
             <a:pPr lvl="1"/>
             <a:r>
-              <a:rPr lang="en-US" dirty="0" smtClean="0"/>
-              <a:t> </a:t>
-            </a:r>
-            <a:r>
               <a:rPr lang="en-US" sz="3200" dirty="0" smtClean="0"/>
-              <a:t>one pizza is 12minutes</a:t>
+              <a:t>one </a:t>
+            </a:r>
+            <a:r>
+              <a:rPr lang="en-US" sz="3200" dirty="0" smtClean="0"/>
+              <a:t>pizza is </a:t>
+            </a:r>
+            <a:r>
+              <a:rPr lang="en-US" sz="3200" dirty="0" smtClean="0"/>
+              <a:t>12minutes</a:t>
             </a:r>
           </a:p>
           <a:p>
             <a:pPr lvl="1"/>
             <a:r>
+              <a:rPr lang="en-US" sz="3200" dirty="0"/>
+              <a:t>T</a:t>
+            </a:r>
+            <a:r>
               <a:rPr lang="en-US" sz="3200" dirty="0" smtClean="0"/>
-              <a:t>Two pizza is 18minutes</a:t>
+              <a:t>wo </a:t>
+            </a:r>
+            <a:r>
+              <a:rPr lang="en-US" sz="3200" dirty="0" smtClean="0"/>
+              <a:t>pizza is 18minutes</a:t>
             </a:r>
           </a:p>
           <a:p>
@@ -5227,7 +5246,7 @@
           <a:p>
             <a:fld id="{41E61214-9390-457C-9922-9698893DDA7B}" type="datetime1">
               <a:rPr lang="en-IN" smtClean="0"/>
-              <a:t>08-04-2024</a:t>
+              <a:t>14-04-2024</a:t>
             </a:fld>
             <a:endParaRPr lang="en-IN"/>
           </a:p>
@@ -5384,7 +5403,7 @@
           <a:p>
             <a:fld id="{E532DA67-9BC3-4C26-B607-8F4BB4EA1B14}" type="datetime1">
               <a:rPr lang="en-IN" smtClean="0"/>
-              <a:t>08-04-2024</a:t>
+              <a:t>14-04-2024</a:t>
             </a:fld>
             <a:endParaRPr lang="en-IN"/>
           </a:p>
@@ -5590,7 +5609,7 @@
           <a:p>
             <a:fld id="{780D33DB-947F-4658-A993-FC3B5A6AF569}" type="datetime1">
               <a:rPr lang="en-IN" smtClean="0"/>
-              <a:t>08-04-2024</a:t>
+              <a:t>14-04-2024</a:t>
             </a:fld>
             <a:endParaRPr lang="en-IN"/>
           </a:p>
@@ -5747,7 +5766,7 @@
           <a:p>
             <a:fld id="{E532DA67-9BC3-4C26-B607-8F4BB4EA1B14}" type="datetime1">
               <a:rPr lang="en-IN" smtClean="0"/>
-              <a:t>08-04-2024</a:t>
+              <a:t>14-04-2024</a:t>
             </a:fld>
             <a:endParaRPr lang="en-IN"/>
           </a:p>
@@ -5905,7 +5924,7 @@
           <a:p>
             <a:fld id="{41E61214-9390-457C-9922-9698893DDA7B}" type="datetime1">
               <a:rPr lang="en-IN" smtClean="0"/>
-              <a:t>08-04-2024</a:t>
+              <a:t>14-04-2024</a:t>
             </a:fld>
             <a:endParaRPr lang="en-IN"/>
           </a:p>
@@ -6141,8 +6160,8 @@
         </p:blipFill>
         <p:spPr>
           <a:xfrm>
-            <a:off x="5533207" y="1698943"/>
-            <a:ext cx="6502038" cy="4498676"/>
+            <a:off x="4641669" y="1698943"/>
+            <a:ext cx="7393576" cy="4498676"/>
           </a:xfrm>
         </p:spPr>
       </p:pic>
@@ -6163,7 +6182,7 @@
           <a:p>
             <a:fld id="{41E61214-9390-457C-9922-9698893DDA7B}" type="datetime1">
               <a:rPr lang="en-IN" smtClean="0"/>
-              <a:t>08-04-2024</a:t>
+              <a:t>14-04-2024</a:t>
             </a:fld>
             <a:endParaRPr lang="en-IN"/>
           </a:p>
@@ -6294,7 +6313,7 @@
           <a:p>
             <a:fld id="{E532DA67-9BC3-4C26-B607-8F4BB4EA1B14}" type="datetime1">
               <a:rPr lang="en-IN" smtClean="0"/>
-              <a:t>08-04-2024</a:t>
+              <a:t>14-04-2024</a:t>
             </a:fld>
             <a:endParaRPr lang="en-IN"/>
           </a:p>
@@ -6620,7 +6639,7 @@
           <a:p>
             <a:fld id="{41E61214-9390-457C-9922-9698893DDA7B}" type="datetime1">
               <a:rPr lang="en-IN" smtClean="0"/>
-              <a:t>08-04-2024</a:t>
+              <a:t>14-04-2024</a:t>
             </a:fld>
             <a:endParaRPr lang="en-IN"/>
           </a:p>
@@ -6803,7 +6822,7 @@
           <a:p>
             <a:fld id="{41E61214-9390-457C-9922-9698893DDA7B}" type="datetime1">
               <a:rPr lang="en-IN" smtClean="0"/>
-              <a:t>08-04-2024</a:t>
+              <a:t>14-04-2024</a:t>
             </a:fld>
             <a:endParaRPr lang="en-IN"/>
           </a:p>
@@ -6986,7 +7005,7 @@
           <a:p>
             <a:fld id="{41E61214-9390-457C-9922-9698893DDA7B}" type="datetime1">
               <a:rPr lang="en-IN" smtClean="0"/>
-              <a:t>08-04-2024</a:t>
+              <a:t>14-04-2024</a:t>
             </a:fld>
             <a:endParaRPr lang="en-IN"/>
           </a:p>
@@ -7078,7 +7097,12 @@
             <p:ph type="title"/>
           </p:nvPr>
         </p:nvSpPr>
-        <p:spPr/>
+        <p:spPr>
+          <a:xfrm>
+            <a:off x="838200" y="365125"/>
+            <a:ext cx="10515600" cy="1596179"/>
+          </a:xfrm>
+        </p:spPr>
         <p:txBody>
           <a:bodyPr>
             <a:noAutofit/>
@@ -7086,70 +7110,70 @@
           <a:lstStyle/>
           <a:p>
             <a:r>
-              <a:rPr lang="en-US" sz="1800" dirty="0"/>
+              <a:rPr lang="en-US" sz="2000" b="1" dirty="0"/>
               <a:t>4. Generate an order item for each record in the customers_orders table in </a:t>
             </a:r>
             <a:r>
-              <a:rPr lang="en-US" sz="1800" dirty="0" smtClean="0"/>
+              <a:rPr lang="en-US" sz="2000" b="1" dirty="0" smtClean="0"/>
               <a:t>the </a:t>
             </a:r>
             <a:r>
-              <a:rPr lang="en-US" sz="1800" dirty="0"/>
+              <a:rPr lang="en-US" sz="2000" b="1" dirty="0"/>
               <a:t>format of one of the </a:t>
             </a:r>
             <a:r>
-              <a:rPr lang="en-US" sz="1800" dirty="0" smtClean="0"/>
+              <a:rPr lang="en-US" sz="2000" b="1" dirty="0" smtClean="0"/>
               <a:t>following:</a:t>
             </a:r>
             <a:br>
-              <a:rPr lang="en-US" sz="1800" dirty="0" smtClean="0"/>
+              <a:rPr lang="en-US" sz="2000" b="1" dirty="0" smtClean="0"/>
             </a:br>
             <a:r>
-              <a:rPr lang="en-US" sz="1800" dirty="0" smtClean="0"/>
+              <a:rPr lang="en-US" sz="2000" b="1" dirty="0" smtClean="0"/>
               <a:t>Meat Lovers</a:t>
             </a:r>
             <a:br>
-              <a:rPr lang="en-US" sz="1800" dirty="0" smtClean="0"/>
+              <a:rPr lang="en-US" sz="2000" b="1" dirty="0" smtClean="0"/>
             </a:br>
             <a:r>
-              <a:rPr lang="en-US" sz="1800" dirty="0" smtClean="0"/>
+              <a:rPr lang="en-US" sz="2000" b="1" dirty="0" smtClean="0"/>
               <a:t>Meat </a:t>
             </a:r>
             <a:r>
-              <a:rPr lang="en-US" sz="1800" dirty="0"/>
+              <a:rPr lang="en-US" sz="2000" b="1" dirty="0"/>
               <a:t>Lovers - Exclude </a:t>
             </a:r>
             <a:r>
-              <a:rPr lang="en-US" sz="1800" dirty="0" smtClean="0"/>
+              <a:rPr lang="en-US" sz="2000" b="1" dirty="0" smtClean="0"/>
               <a:t>Beef</a:t>
             </a:r>
             <a:br>
-              <a:rPr lang="en-US" sz="1800" dirty="0" smtClean="0"/>
+              <a:rPr lang="en-US" sz="2000" b="1" dirty="0" smtClean="0"/>
             </a:br>
             <a:r>
-              <a:rPr lang="en-US" sz="1800" dirty="0" smtClean="0"/>
+              <a:rPr lang="en-US" sz="2000" b="1" dirty="0" smtClean="0"/>
               <a:t>Meat </a:t>
             </a:r>
             <a:r>
-              <a:rPr lang="en-US" sz="1800" dirty="0"/>
+              <a:rPr lang="en-US" sz="2000" b="1" dirty="0"/>
               <a:t>Lovers - Extra </a:t>
             </a:r>
             <a:r>
-              <a:rPr lang="en-US" sz="1800" dirty="0" smtClean="0"/>
+              <a:rPr lang="en-US" sz="2000" b="1" dirty="0" smtClean="0"/>
               <a:t>Bacon</a:t>
             </a:r>
             <a:br>
-              <a:rPr lang="en-US" sz="1800" dirty="0" smtClean="0"/>
+              <a:rPr lang="en-US" sz="2000" b="1" dirty="0" smtClean="0"/>
             </a:br>
             <a:r>
-              <a:rPr lang="en-US" sz="1800" dirty="0" smtClean="0"/>
+              <a:rPr lang="en-US" sz="2000" b="1" dirty="0" smtClean="0"/>
               <a:t>Meat </a:t>
             </a:r>
             <a:r>
-              <a:rPr lang="en-US" sz="1800" dirty="0"/>
+              <a:rPr lang="en-US" sz="2000" b="1" dirty="0"/>
               <a:t>Lovers - Exclude Cheese, Bacon - Extra Mushroom, Peppers</a:t>
             </a:r>
-            <a:endParaRPr lang="en-IN" sz="1800" dirty="0"/>
+            <a:endParaRPr lang="en-IN" sz="2000" b="1" dirty="0"/>
           </a:p>
         </p:txBody>
       </p:sp>
@@ -7177,8 +7201,8 @@
         </p:blipFill>
         <p:spPr>
           <a:xfrm>
-            <a:off x="838200" y="1844659"/>
-            <a:ext cx="5181600" cy="4313270"/>
+            <a:off x="838201" y="2159726"/>
+            <a:ext cx="4803104" cy="3998202"/>
           </a:xfrm>
         </p:spPr>
       </p:pic>
@@ -7204,7 +7228,12 @@
             <a:fillRect/>
           </a:stretch>
         </p:blipFill>
-        <p:spPr/>
+        <p:spPr>
+          <a:xfrm>
+            <a:off x="6172200" y="2094383"/>
+            <a:ext cx="4861560" cy="4082579"/>
+          </a:xfrm>
+        </p:spPr>
       </p:pic>
       <p:sp>
         <p:nvSpPr>
@@ -7223,7 +7252,7 @@
           <a:p>
             <a:fld id="{41E61214-9390-457C-9922-9698893DDA7B}" type="datetime1">
               <a:rPr lang="en-IN" smtClean="0"/>
-              <a:t>08-04-2024</a:t>
+              <a:t>14-04-2024</a:t>
             </a:fld>
             <a:endParaRPr lang="en-IN"/>
           </a:p>
@@ -7399,7 +7428,7 @@
           <a:p>
             <a:fld id="{41E61214-9390-457C-9922-9698893DDA7B}" type="datetime1">
               <a:rPr lang="en-IN" smtClean="0"/>
-              <a:t>08-04-2024</a:t>
+              <a:t>14-04-2024</a:t>
             </a:fld>
             <a:endParaRPr lang="en-IN"/>
           </a:p>
@@ -7610,7 +7639,7 @@
           <a:p>
             <a:fld id="{41E61214-9390-457C-9922-9698893DDA7B}" type="datetime1">
               <a:rPr lang="en-IN" smtClean="0"/>
-              <a:t>08-04-2024</a:t>
+              <a:t>14-04-2024</a:t>
             </a:fld>
             <a:endParaRPr lang="en-IN"/>
           </a:p>
@@ -7768,7 +7797,7 @@
           <a:p>
             <a:fld id="{0CBCE8AF-A837-4079-B21A-D34F3EBB2F11}" type="datetime1">
               <a:rPr lang="en-IN" smtClean="0"/>
-              <a:t>08-04-2024</a:t>
+              <a:t>14-04-2024</a:t>
             </a:fld>
             <a:endParaRPr lang="en-IN"/>
           </a:p>
@@ -8060,7 +8089,7 @@
           <a:p>
             <a:fld id="{E532DA67-9BC3-4C26-B607-8F4BB4EA1B14}" type="datetime1">
               <a:rPr lang="en-IN" smtClean="0"/>
-              <a:t>08-04-2024</a:t>
+              <a:t>14-04-2024</a:t>
             </a:fld>
             <a:endParaRPr lang="en-IN"/>
           </a:p>
@@ -8263,7 +8292,7 @@
           <a:p>
             <a:fld id="{41E61214-9390-457C-9922-9698893DDA7B}" type="datetime1">
               <a:rPr lang="en-IN" smtClean="0"/>
-              <a:t>08-04-2024</a:t>
+              <a:t>14-04-2024</a:t>
             </a:fld>
             <a:endParaRPr lang="en-IN"/>
           </a:p>
@@ -8453,7 +8482,7 @@
           <a:p>
             <a:fld id="{41E61214-9390-457C-9922-9698893DDA7B}" type="datetime1">
               <a:rPr lang="en-IN" smtClean="0"/>
-              <a:t>08-04-2024</a:t>
+              <a:t>14-04-2024</a:t>
             </a:fld>
             <a:endParaRPr lang="en-IN"/>
           </a:p>
@@ -8659,7 +8688,7 @@
           <a:p>
             <a:fld id="{41E61214-9390-457C-9922-9698893DDA7B}" type="datetime1">
               <a:rPr lang="en-IN" smtClean="0"/>
-              <a:t>08-04-2024</a:t>
+              <a:t>14-04-2024</a:t>
             </a:fld>
             <a:endParaRPr lang="en-IN"/>
           </a:p>
@@ -8841,7 +8870,7 @@
           <a:p>
             <a:fld id="{41E61214-9390-457C-9922-9698893DDA7B}" type="datetime1">
               <a:rPr lang="en-IN" smtClean="0"/>
-              <a:t>08-04-2024</a:t>
+              <a:t>14-04-2024</a:t>
             </a:fld>
             <a:endParaRPr lang="en-IN"/>
           </a:p>
@@ -9048,7 +9077,7 @@
           <a:p>
             <a:fld id="{41E61214-9390-457C-9922-9698893DDA7B}" type="datetime1">
               <a:rPr lang="en-IN" smtClean="0"/>
-              <a:t>08-04-2024</a:t>
+              <a:t>14-04-2024</a:t>
             </a:fld>
             <a:endParaRPr lang="en-IN"/>
           </a:p>
@@ -9354,7 +9383,7 @@
           <a:p>
             <a:fld id="{1BEA5687-2B3B-4F76-AAE8-C0BE9582DEA9}" type="datetime1">
               <a:rPr lang="en-IN" smtClean="0"/>
-              <a:t>08-04-2024</a:t>
+              <a:t>14-04-2024</a:t>
             </a:fld>
             <a:endParaRPr lang="en-IN"/>
           </a:p>
@@ -9515,7 +9544,7 @@
           <a:p>
             <a:fld id="{006F1D24-CDC7-4517-88F4-C1FA14C6CDE0}" type="datetime1">
               <a:rPr lang="en-IN" smtClean="0"/>
-              <a:t>08-04-2024</a:t>
+              <a:t>14-04-2024</a:t>
             </a:fld>
             <a:endParaRPr lang="en-IN"/>
           </a:p>
@@ -9676,7 +9705,7 @@
           <a:p>
             <a:fld id="{223F549C-B323-442E-8F13-8115FCC62AF5}" type="datetime1">
               <a:rPr lang="en-IN" smtClean="0"/>
-              <a:t>08-04-2024</a:t>
+              <a:t>14-04-2024</a:t>
             </a:fld>
             <a:endParaRPr lang="en-IN"/>
           </a:p>
@@ -9838,7 +9867,7 @@
           <a:p>
             <a:fld id="{F398A40E-062E-4012-A46D-72B6F10C9F24}" type="datetime1">
               <a:rPr lang="en-IN" smtClean="0"/>
-              <a:t>08-04-2024</a:t>
+              <a:t>14-04-2024</a:t>
             </a:fld>
             <a:endParaRPr lang="en-IN"/>
           </a:p>
@@ -9999,7 +10028,7 @@
           <a:p>
             <a:fld id="{BAF511C7-F5B8-44A1-A2A8-46EF4D0DE7B7}" type="datetime1">
               <a:rPr lang="en-IN" smtClean="0"/>
-              <a:t>08-04-2024</a:t>
+              <a:t>14-04-2024</a:t>
             </a:fld>
             <a:endParaRPr lang="en-IN"/>
           </a:p>
@@ -10157,7 +10186,7 @@
           <a:p>
             <a:fld id="{71048FB8-C687-4510-95A1-5F5E96400C18}" type="datetime1">
               <a:rPr lang="en-IN" smtClean="0"/>
-              <a:t>08-04-2024</a:t>
+              <a:t>14-04-2024</a:t>
             </a:fld>
             <a:endParaRPr lang="en-IN"/>
           </a:p>
